--- a/Final-Powerpoint.pptx
+++ b/Final-Powerpoint.pptx
@@ -112,6 +112,11 @@
       </a:defRPr>
     </a:lvl9pPr>
   </p:defaultTextStyle>
+  <p:extLst>
+    <p:ext uri="{EFAFB233-063F-42B5-8137-9DF3F51BA10A}">
+      <p15:sldGuideLst xmlns:p15="http://schemas.microsoft.com/office/powerpoint/2012/main"/>
+    </p:ext>
+  </p:extLst>
 </p:presentation>
 </file>
 
@@ -284,7 +289,7 @@
           <a:p>
             <a:fld id="{52007EAD-1B77-45CA-BBAE-99FDEE2B0DC4}" type="datetimeFigureOut">
               <a:rPr lang="en-US" smtClean="0"/>
-              <a:t>12/6/2016</a:t>
+              <a:t>2/6/2017</a:t>
             </a:fld>
             <a:endParaRPr lang="en-US"/>
           </a:p>
@@ -614,7 +619,7 @@
           <a:p>
             <a:fld id="{52007EAD-1B77-45CA-BBAE-99FDEE2B0DC4}" type="datetimeFigureOut">
               <a:rPr lang="en-US" smtClean="0"/>
-              <a:t>12/6/2016</a:t>
+              <a:t>2/6/2017</a:t>
             </a:fld>
             <a:endParaRPr lang="en-US"/>
           </a:p>
@@ -794,7 +799,7 @@
           <a:p>
             <a:fld id="{52007EAD-1B77-45CA-BBAE-99FDEE2B0DC4}" type="datetimeFigureOut">
               <a:rPr lang="en-US" smtClean="0"/>
-              <a:t>12/6/2016</a:t>
+              <a:t>2/6/2017</a:t>
             </a:fld>
             <a:endParaRPr lang="en-US"/>
           </a:p>
@@ -964,7 +969,7 @@
           <a:p>
             <a:fld id="{52007EAD-1B77-45CA-BBAE-99FDEE2B0DC4}" type="datetimeFigureOut">
               <a:rPr lang="en-US" smtClean="0"/>
-              <a:t>12/6/2016</a:t>
+              <a:t>2/6/2017</a:t>
             </a:fld>
             <a:endParaRPr lang="en-US"/>
           </a:p>
@@ -1241,7 +1246,7 @@
           <a:p>
             <a:fld id="{52007EAD-1B77-45CA-BBAE-99FDEE2B0DC4}" type="datetimeFigureOut">
               <a:rPr lang="en-US" smtClean="0"/>
-              <a:t>12/6/2016</a:t>
+              <a:t>2/6/2017</a:t>
             </a:fld>
             <a:endParaRPr lang="en-US"/>
           </a:p>
@@ -1635,7 +1640,7 @@
           <a:p>
             <a:fld id="{52007EAD-1B77-45CA-BBAE-99FDEE2B0DC4}" type="datetimeFigureOut">
               <a:rPr lang="en-US" smtClean="0"/>
-              <a:t>12/6/2016</a:t>
+              <a:t>2/6/2017</a:t>
             </a:fld>
             <a:endParaRPr lang="en-US"/>
           </a:p>
@@ -2112,7 +2117,7 @@
           <a:p>
             <a:fld id="{52007EAD-1B77-45CA-BBAE-99FDEE2B0DC4}" type="datetimeFigureOut">
               <a:rPr lang="en-US" smtClean="0"/>
-              <a:t>12/6/2016</a:t>
+              <a:t>2/6/2017</a:t>
             </a:fld>
             <a:endParaRPr lang="en-US"/>
           </a:p>
@@ -2230,7 +2235,7 @@
           <a:p>
             <a:fld id="{52007EAD-1B77-45CA-BBAE-99FDEE2B0DC4}" type="datetimeFigureOut">
               <a:rPr lang="en-US" smtClean="0"/>
-              <a:t>12/6/2016</a:t>
+              <a:t>2/6/2017</a:t>
             </a:fld>
             <a:endParaRPr lang="en-US"/>
           </a:p>
@@ -2325,7 +2330,7 @@
           <a:p>
             <a:fld id="{52007EAD-1B77-45CA-BBAE-99FDEE2B0DC4}" type="datetimeFigureOut">
               <a:rPr lang="en-US" smtClean="0"/>
-              <a:t>12/6/2016</a:t>
+              <a:t>2/6/2017</a:t>
             </a:fld>
             <a:endParaRPr lang="en-US"/>
           </a:p>
@@ -2671,7 +2676,7 @@
           <a:p>
             <a:fld id="{52007EAD-1B77-45CA-BBAE-99FDEE2B0DC4}" type="datetimeFigureOut">
               <a:rPr lang="en-US" smtClean="0"/>
-              <a:t>12/6/2016</a:t>
+              <a:t>2/6/2017</a:t>
             </a:fld>
             <a:endParaRPr lang="en-US"/>
           </a:p>
@@ -3059,7 +3064,7 @@
           <a:p>
             <a:fld id="{52007EAD-1B77-45CA-BBAE-99FDEE2B0DC4}" type="datetimeFigureOut">
               <a:rPr lang="en-US" smtClean="0"/>
-              <a:t>12/6/2016</a:t>
+              <a:t>2/6/2017</a:t>
             </a:fld>
             <a:endParaRPr lang="en-US"/>
           </a:p>
@@ -3337,7 +3342,7 @@
           <a:p>
             <a:fld id="{52007EAD-1B77-45CA-BBAE-99FDEE2B0DC4}" type="datetimeFigureOut">
               <a:rPr lang="en-US" smtClean="0"/>
-              <a:t>12/6/2016</a:t>
+              <a:t>2/6/2017</a:t>
             </a:fld>
             <a:endParaRPr lang="en-US"/>
           </a:p>
@@ -3786,42 +3791,42 @@
   <p:extLst mod="1">
     <p:ext uri="{27BBF7A9-308A-43DC-89C8-2F10F3537804}">
       <p15:sldGuideLst xmlns:p15="http://schemas.microsoft.com/office/powerpoint/2012/main">
-        <p15:guide id="4294967295" orient="horz" pos="1368">
+        <p15:guide id="1" orient="horz" pos="1368">
           <p15:clr>
             <a:srgbClr val="F26B43"/>
           </p15:clr>
         </p15:guide>
-        <p15:guide id="4294967295" orient="horz" pos="1440">
+        <p15:guide id="2" orient="horz" pos="1440">
           <p15:clr>
             <a:srgbClr val="F26B43"/>
           </p15:clr>
         </p15:guide>
-        <p15:guide id="4294967295" orient="horz" pos="3696">
+        <p15:guide id="3" orient="horz" pos="3696">
           <p15:clr>
             <a:srgbClr val="F26B43"/>
           </p15:clr>
         </p15:guide>
-        <p15:guide id="4294967295" orient="horz" pos="432">
+        <p15:guide id="4" orient="horz" pos="432">
           <p15:clr>
             <a:srgbClr val="F26B43"/>
           </p15:clr>
         </p15:guide>
-        <p15:guide id="4294967295" orient="horz" pos="1512">
+        <p15:guide id="5" orient="horz" pos="1512">
           <p15:clr>
             <a:srgbClr val="F26B43"/>
           </p15:clr>
         </p15:guide>
-        <p15:guide id="4294967295" pos="6912">
+        <p15:guide id="6" pos="6912">
           <p15:clr>
             <a:srgbClr val="F26B43"/>
           </p15:clr>
         </p15:guide>
-        <p15:guide id="4294967295" pos="936">
+        <p15:guide id="7" pos="936">
           <p15:clr>
             <a:srgbClr val="F26B43"/>
           </p15:clr>
         </p15:guide>
-        <p15:guide id="4294967295" pos="864">
+        <p15:guide id="8" pos="864">
           <p15:clr>
             <a:srgbClr val="F26B43"/>
           </p15:clr>
@@ -3889,14 +3894,24 @@
           <a:p>
             <a:r>
               <a:rPr lang="en-US" dirty="0" smtClean="0"/>
-              <a:t>George Elia – 159003227</a:t>
-            </a:r>
-          </a:p>
-          <a:p>
+              <a:t>George </a:t>
+            </a:r>
             <a:r>
               <a:rPr lang="en-US" dirty="0" smtClean="0"/>
-              <a:t>Lawrence Maceren - 158001833</a:t>
-            </a:r>
+              <a:t>Elia</a:t>
+            </a:r>
+            <a:endParaRPr lang="en-US" dirty="0" smtClean="0"/>
+          </a:p>
+          <a:p>
+            <a:r>
+              <a:rPr lang="en-US" smtClean="0"/>
+              <a:t>Lawrence </a:t>
+            </a:r>
+            <a:r>
+              <a:rPr lang="en-US" smtClean="0"/>
+              <a:t>Maceren</a:t>
+            </a:r>
+            <a:endParaRPr lang="en-US" dirty="0" smtClean="0"/>
           </a:p>
         </p:txBody>
       </p:sp>
